--- a/capstone/initial-env.pptx
+++ b/capstone/initial-env.pptx
@@ -108,6 +108,11 @@
       </a:defRPr>
     </a:lvl9pPr>
   </p:defaultTextStyle>
+  <p:extLst>
+    <p:ext uri="{EFAFB233-063F-42B5-8137-9DF3F51BA10A}">
+      <p15:sldGuideLst xmlns:p15="http://schemas.microsoft.com/office/powerpoint/2012/main"/>
+    </p:ext>
+  </p:extLst>
 </p:presentation>
 </file>
 
@@ -193,7 +198,7 @@
           <a:p>
             <a:fld id="{B41C4EE9-53C2-4B68-BE2F-CAE2D6FF4CD7}" type="datetimeFigureOut">
               <a:rPr lang="en-US" smtClean="0"/>
-              <a:t>12/27/2023</a:t>
+              <a:t>12/29/2023</a:t>
             </a:fld>
             <a:endParaRPr lang="en-US"/>
           </a:p>
@@ -596,7 +601,7 @@
           <a:p>
             <a:fld id="{8EA32F1B-BD85-45EA-884B-BF7A6BBBD177}" type="datetimeFigureOut">
               <a:rPr lang="en-US" smtClean="0"/>
-              <a:t>12/26/2023</a:t>
+              <a:t>12/29/2023</a:t>
             </a:fld>
             <a:endParaRPr lang="en-US"/>
           </a:p>
@@ -766,7 +771,7 @@
           <a:p>
             <a:fld id="{8EA32F1B-BD85-45EA-884B-BF7A6BBBD177}" type="datetimeFigureOut">
               <a:rPr lang="en-US" smtClean="0"/>
-              <a:t>12/26/2023</a:t>
+              <a:t>12/29/2023</a:t>
             </a:fld>
             <a:endParaRPr lang="en-US"/>
           </a:p>
@@ -946,7 +951,7 @@
           <a:p>
             <a:fld id="{8EA32F1B-BD85-45EA-884B-BF7A6BBBD177}" type="datetimeFigureOut">
               <a:rPr lang="en-US" smtClean="0"/>
-              <a:t>12/26/2023</a:t>
+              <a:t>12/29/2023</a:t>
             </a:fld>
             <a:endParaRPr lang="en-US"/>
           </a:p>
@@ -1116,7 +1121,7 @@
           <a:p>
             <a:fld id="{8EA32F1B-BD85-45EA-884B-BF7A6BBBD177}" type="datetimeFigureOut">
               <a:rPr lang="en-US" smtClean="0"/>
-              <a:t>12/26/2023</a:t>
+              <a:t>12/29/2023</a:t>
             </a:fld>
             <a:endParaRPr lang="en-US"/>
           </a:p>
@@ -1362,7 +1367,7 @@
           <a:p>
             <a:fld id="{8EA32F1B-BD85-45EA-884B-BF7A6BBBD177}" type="datetimeFigureOut">
               <a:rPr lang="en-US" smtClean="0"/>
-              <a:t>12/26/2023</a:t>
+              <a:t>12/29/2023</a:t>
             </a:fld>
             <a:endParaRPr lang="en-US"/>
           </a:p>
@@ -1594,7 +1599,7 @@
           <a:p>
             <a:fld id="{8EA32F1B-BD85-45EA-884B-BF7A6BBBD177}" type="datetimeFigureOut">
               <a:rPr lang="en-US" smtClean="0"/>
-              <a:t>12/26/2023</a:t>
+              <a:t>12/29/2023</a:t>
             </a:fld>
             <a:endParaRPr lang="en-US"/>
           </a:p>
@@ -1961,7 +1966,7 @@
           <a:p>
             <a:fld id="{8EA32F1B-BD85-45EA-884B-BF7A6BBBD177}" type="datetimeFigureOut">
               <a:rPr lang="en-US" smtClean="0"/>
-              <a:t>12/26/2023</a:t>
+              <a:t>12/29/2023</a:t>
             </a:fld>
             <a:endParaRPr lang="en-US"/>
           </a:p>
@@ -2079,7 +2084,7 @@
           <a:p>
             <a:fld id="{8EA32F1B-BD85-45EA-884B-BF7A6BBBD177}" type="datetimeFigureOut">
               <a:rPr lang="en-US" smtClean="0"/>
-              <a:t>12/26/2023</a:t>
+              <a:t>12/29/2023</a:t>
             </a:fld>
             <a:endParaRPr lang="en-US"/>
           </a:p>
@@ -2174,7 +2179,7 @@
           <a:p>
             <a:fld id="{8EA32F1B-BD85-45EA-884B-BF7A6BBBD177}" type="datetimeFigureOut">
               <a:rPr lang="en-US" smtClean="0"/>
-              <a:t>12/26/2023</a:t>
+              <a:t>12/29/2023</a:t>
             </a:fld>
             <a:endParaRPr lang="en-US"/>
           </a:p>
@@ -2451,7 +2456,7 @@
           <a:p>
             <a:fld id="{8EA32F1B-BD85-45EA-884B-BF7A6BBBD177}" type="datetimeFigureOut">
               <a:rPr lang="en-US" smtClean="0"/>
-              <a:t>12/26/2023</a:t>
+              <a:t>12/29/2023</a:t>
             </a:fld>
             <a:endParaRPr lang="en-US"/>
           </a:p>
@@ -2704,7 +2709,7 @@
           <a:p>
             <a:fld id="{8EA32F1B-BD85-45EA-884B-BF7A6BBBD177}" type="datetimeFigureOut">
               <a:rPr lang="en-US" smtClean="0"/>
-              <a:t>12/26/2023</a:t>
+              <a:t>12/29/2023</a:t>
             </a:fld>
             <a:endParaRPr lang="en-US"/>
           </a:p>
@@ -2917,7 +2922,7 @@
           <a:p>
             <a:fld id="{8EA32F1B-BD85-45EA-884B-BF7A6BBBD177}" type="datetimeFigureOut">
               <a:rPr lang="en-US" smtClean="0"/>
-              <a:t>12/26/2023</a:t>
+              <a:t>12/29/2023</a:t>
             </a:fld>
             <a:endParaRPr lang="en-US"/>
           </a:p>
@@ -3322,6 +3327,98 @@
           <a:chExt cx="0" cy="0"/>
         </a:xfrm>
       </p:grpSpPr>
+      <p:sp>
+        <p:nvSpPr>
+          <p:cNvPr id="42" name="Rectangle 41"/>
+          <p:cNvSpPr/>
+          <p:nvPr/>
+        </p:nvSpPr>
+        <p:spPr>
+          <a:xfrm rot="19331385">
+            <a:off x="1187216" y="5619311"/>
+            <a:ext cx="1954381" cy="369332"/>
+          </a:xfrm>
+          <a:prstGeom prst="rect">
+            <a:avLst/>
+          </a:prstGeom>
+        </p:spPr>
+        <p:txBody>
+          <a:bodyPr wrap="none">
+            <a:spAutoFit/>
+          </a:bodyPr>
+          <a:lstStyle/>
+          <a:p>
+            <a:pPr lvl="0">
+              <a:defRPr/>
+            </a:pPr>
+            <a:r>
+              <a:rPr lang="en-US" dirty="0" smtClean="0">
+                <a:ln w="0"/>
+                <a:solidFill>
+                  <a:prstClr val="black"/>
+                </a:solidFill>
+                <a:latin typeface="Arial" panose="020B0604020202020204" pitchFamily="34" charset="0"/>
+                <a:cs typeface="Arial" panose="020B0604020202020204" pitchFamily="34" charset="0"/>
+              </a:rPr>
+              <a:t>Johnpaul Ugwulo</a:t>
+            </a:r>
+            <a:endParaRPr lang="en-US" dirty="0">
+              <a:ln w="0"/>
+              <a:solidFill>
+                <a:prstClr val="black"/>
+              </a:solidFill>
+              <a:latin typeface="Arial" panose="020B0604020202020204" pitchFamily="34" charset="0"/>
+              <a:cs typeface="Arial" panose="020B0604020202020204" pitchFamily="34" charset="0"/>
+            </a:endParaRPr>
+          </a:p>
+        </p:txBody>
+      </p:sp>
+      <p:sp>
+        <p:nvSpPr>
+          <p:cNvPr id="40" name="Rectangle 39"/>
+          <p:cNvSpPr/>
+          <p:nvPr/>
+        </p:nvSpPr>
+        <p:spPr>
+          <a:xfrm rot="19331385">
+            <a:off x="9624226" y="2740276"/>
+            <a:ext cx="1954381" cy="369332"/>
+          </a:xfrm>
+          <a:prstGeom prst="rect">
+            <a:avLst/>
+          </a:prstGeom>
+        </p:spPr>
+        <p:txBody>
+          <a:bodyPr wrap="none">
+            <a:spAutoFit/>
+          </a:bodyPr>
+          <a:lstStyle/>
+          <a:p>
+            <a:pPr lvl="0">
+              <a:defRPr/>
+            </a:pPr>
+            <a:r>
+              <a:rPr lang="en-US" dirty="0" smtClean="0">
+                <a:ln w="0"/>
+                <a:solidFill>
+                  <a:prstClr val="black"/>
+                </a:solidFill>
+                <a:latin typeface="Arial" panose="020B0604020202020204" pitchFamily="34" charset="0"/>
+                <a:cs typeface="Arial" panose="020B0604020202020204" pitchFamily="34" charset="0"/>
+              </a:rPr>
+              <a:t>Johnpaul Ugwulo</a:t>
+            </a:r>
+            <a:endParaRPr lang="en-US" dirty="0">
+              <a:ln w="0"/>
+              <a:solidFill>
+                <a:prstClr val="black"/>
+              </a:solidFill>
+              <a:latin typeface="Arial" panose="020B0604020202020204" pitchFamily="34" charset="0"/>
+              <a:cs typeface="Arial" panose="020B0604020202020204" pitchFamily="34" charset="0"/>
+            </a:endParaRPr>
+          </a:p>
+        </p:txBody>
+      </p:sp>
       <p:grpSp>
         <p:nvGrpSpPr>
           <p:cNvPr id="11" name="Group 10" descr="AWS Cloud group with AWS logo.">
@@ -3431,7 +3528,7 @@
             <a:blip r:embed="rId2">
               <a:extLst>
                 <a:ext uri="{96DAC541-7B7A-43D3-8B79-37D633B846F1}">
-                  <asvg:svgBlip xmlns:asvg="http://schemas.microsoft.com/office/drawing/2016/SVG/main" xmlns="" r:embed="rId3"/>
+                  <asvg:svgBlip xmlns="" xmlns:asvg="http://schemas.microsoft.com/office/drawing/2016/SVG/main" r:embed="rId3"/>
                 </a:ext>
               </a:extLst>
             </a:blip>
@@ -3557,7 +3654,7 @@
             <a:blip r:embed="rId4">
               <a:extLst>
                 <a:ext uri="{96DAC541-7B7A-43D3-8B79-37D633B846F1}">
-                  <asvg:svgBlip xmlns:asvg="http://schemas.microsoft.com/office/drawing/2016/SVG/main" xmlns="" r:embed="rId7"/>
+                  <asvg:svgBlip xmlns="" xmlns:asvg="http://schemas.microsoft.com/office/drawing/2016/SVG/main" r:embed="rId7"/>
                 </a:ext>
               </a:extLst>
             </a:blip>
@@ -3647,14 +3744,6 @@
               </a:rPr>
               <a:t>VPC 10.0.0.0/16</a:t>
             </a:r>
-            <a:endParaRPr lang="en-US" sz="1200" dirty="0">
-              <a:ln w="0"/>
-              <a:solidFill>
-                <a:srgbClr val="894BFF"/>
-              </a:solidFill>
-              <a:latin typeface="Arial" panose="020B0604020202020204" pitchFamily="34" charset="0"/>
-              <a:cs typeface="Arial" panose="020B0604020202020204" pitchFamily="34" charset="0"/>
-            </a:endParaRPr>
           </a:p>
         </p:txBody>
       </p:sp>
@@ -3676,7 +3765,7 @@
           <a:blip r:embed="rId8">
             <a:extLst>
               <a:ext uri="{96DAC541-7B7A-43D3-8B79-37D633B846F1}">
-                <asvg:svgBlip xmlns:asvg="http://schemas.microsoft.com/office/drawing/2016/SVG/main" xmlns="" r:embed="rId11"/>
+                <asvg:svgBlip xmlns="" xmlns:asvg="http://schemas.microsoft.com/office/drawing/2016/SVG/main" r:embed="rId11"/>
               </a:ext>
             </a:extLst>
           </a:blip>
@@ -3989,15 +4078,6 @@
                 </a:rPr>
                 <a:t>10.0.0.0/24</a:t>
               </a:r>
-              <a:endParaRPr lang="en-US" sz="1200" dirty="0">
-                <a:solidFill>
-                  <a:schemeClr val="accent6">
-                    <a:lumMod val="75000"/>
-                  </a:schemeClr>
-                </a:solidFill>
-                <a:latin typeface="Arial" panose="020B0604020202020204" pitchFamily="34" charset="0"/>
-                <a:cs typeface="Arial" panose="020B0604020202020204" pitchFamily="34" charset="0"/>
-              </a:endParaRPr>
             </a:p>
           </p:txBody>
         </p:sp>
@@ -4019,7 +4099,7 @@
             <a:blip r:embed="rId12">
               <a:extLst>
                 <a:ext uri="{96DAC541-7B7A-43D3-8B79-37D633B846F1}">
-                  <asvg:svgBlip xmlns:asvg="http://schemas.microsoft.com/office/drawing/2016/SVG/main" xmlns="" r:embed="rId15"/>
+                  <asvg:svgBlip xmlns="" xmlns:asvg="http://schemas.microsoft.com/office/drawing/2016/SVG/main" r:embed="rId15"/>
                 </a:ext>
               </a:extLst>
             </a:blip>
@@ -4193,7 +4273,7 @@
             <a:blip r:embed="rId12">
               <a:extLst>
                 <a:ext uri="{96DAC541-7B7A-43D3-8B79-37D633B846F1}">
-                  <asvg:svgBlip xmlns:asvg="http://schemas.microsoft.com/office/drawing/2016/SVG/main" xmlns="" r:embed="rId15"/>
+                  <asvg:svgBlip xmlns="" xmlns:asvg="http://schemas.microsoft.com/office/drawing/2016/SVG/main" r:embed="rId15"/>
                 </a:ext>
               </a:extLst>
             </a:blip>
@@ -4300,7 +4380,7 @@
           <a:blip r:embed="rId16">
             <a:extLst>
               <a:ext uri="{96DAC541-7B7A-43D3-8B79-37D633B846F1}">
-                <asvg:svgBlip xmlns:asvg="http://schemas.microsoft.com/office/drawing/2016/SVG/main" xmlns="" r:embed="rId17"/>
+                <asvg:svgBlip xmlns="" xmlns:asvg="http://schemas.microsoft.com/office/drawing/2016/SVG/main" r:embed="rId17"/>
               </a:ext>
             </a:extLst>
           </a:blip>
@@ -4350,11 +4430,6 @@
               </a:rPr>
               <a:t>Bastion host</a:t>
             </a:r>
-            <a:endParaRPr lang="en-US" sz="1200" dirty="0">
-              <a:ln w="0"/>
-              <a:latin typeface="Arial" panose="020B0604020202020204" pitchFamily="34" charset="0"/>
-              <a:cs typeface="Arial" panose="020B0604020202020204" pitchFamily="34" charset="0"/>
-            </a:endParaRPr>
           </a:p>
         </p:txBody>
       </p:sp>
@@ -4556,16 +4631,6 @@
               </a:rPr>
               <a:t>group</a:t>
             </a:r>
-            <a:endParaRPr lang="en-US" sz="1200" dirty="0">
-              <a:ln w="0"/>
-              <a:solidFill>
-                <a:srgbClr val="ED7D31">
-                  <a:lumMod val="75000"/>
-                </a:srgbClr>
-              </a:solidFill>
-              <a:latin typeface="Arial" panose="020B0604020202020204" pitchFamily="34" charset="0"/>
-              <a:cs typeface="Arial" panose="020B0604020202020204" pitchFamily="34" charset="0"/>
-            </a:endParaRPr>
           </a:p>
         </p:txBody>
       </p:sp>
@@ -4664,13 +4729,6 @@
               </a:rPr>
               <a:t>10.0.2.0/23</a:t>
             </a:r>
-            <a:endParaRPr lang="en-US" sz="1200" dirty="0">
-              <a:solidFill>
-                <a:srgbClr val="00A1A3"/>
-              </a:solidFill>
-              <a:latin typeface="Arial" panose="020B0604020202020204" pitchFamily="34" charset="0"/>
-              <a:cs typeface="Arial" panose="020B0604020202020204" pitchFamily="34" charset="0"/>
-            </a:endParaRPr>
           </a:p>
         </p:txBody>
       </p:sp>
@@ -4692,7 +4750,7 @@
           <a:blip r:embed="rId18">
             <a:extLst>
               <a:ext uri="{96DAC541-7B7A-43D3-8B79-37D633B846F1}">
-                <asvg:svgBlip xmlns:asvg="http://schemas.microsoft.com/office/drawing/2016/SVG/main" xmlns="" r:embed="rId13"/>
+                <asvg:svgBlip xmlns="" xmlns:asvg="http://schemas.microsoft.com/office/drawing/2016/SVG/main" r:embed="rId13"/>
               </a:ext>
             </a:extLst>
           </a:blip>
@@ -4832,7 +4890,7 @@
           <a:blip r:embed="rId18">
             <a:extLst>
               <a:ext uri="{96DAC541-7B7A-43D3-8B79-37D633B846F1}">
-                <asvg:svgBlip xmlns:asvg="http://schemas.microsoft.com/office/drawing/2016/SVG/main" xmlns="" r:embed="rId13"/>
+                <asvg:svgBlip xmlns="" xmlns:asvg="http://schemas.microsoft.com/office/drawing/2016/SVG/main" r:embed="rId13"/>
               </a:ext>
             </a:extLst>
           </a:blip>
@@ -5183,16 +5241,6 @@
               </a:rPr>
               <a:t>Security group</a:t>
             </a:r>
-            <a:endParaRPr lang="en-US" sz="1200" dirty="0">
-              <a:ln w="0"/>
-              <a:solidFill>
-                <a:srgbClr val="ED7D31">
-                  <a:lumMod val="75000"/>
-                </a:srgbClr>
-              </a:solidFill>
-              <a:latin typeface="Arial" panose="020B0604020202020204" pitchFamily="34" charset="0"/>
-              <a:cs typeface="Arial" panose="020B0604020202020204" pitchFamily="34" charset="0"/>
-            </a:endParaRPr>
           </a:p>
         </p:txBody>
       </p:sp>
@@ -5214,7 +5262,7 @@
           <a:blip r:embed="rId19">
             <a:extLst>
               <a:ext uri="{96DAC541-7B7A-43D3-8B79-37D633B846F1}">
-                <asvg:svgBlip xmlns:asvg="http://schemas.microsoft.com/office/drawing/2016/SVG/main" xmlns="" r:embed="rId20"/>
+                <asvg:svgBlip xmlns="" xmlns:asvg="http://schemas.microsoft.com/office/drawing/2016/SVG/main" r:embed="rId20"/>
               </a:ext>
             </a:extLst>
           </a:blip>
@@ -5390,6 +5438,52 @@
               </a:rPr>
               <a:t>Internet gateway</a:t>
             </a:r>
+          </a:p>
+        </p:txBody>
+      </p:sp>
+      <p:sp>
+        <p:nvSpPr>
+          <p:cNvPr id="37" name="Rectangle 36"/>
+          <p:cNvSpPr/>
+          <p:nvPr/>
+        </p:nvSpPr>
+        <p:spPr>
+          <a:xfrm>
+            <a:off x="5661079" y="233092"/>
+            <a:ext cx="3634328" cy="369332"/>
+          </a:xfrm>
+          <a:prstGeom prst="rect">
+            <a:avLst/>
+          </a:prstGeom>
+        </p:spPr>
+        <p:txBody>
+          <a:bodyPr wrap="none">
+            <a:spAutoFit/>
+          </a:bodyPr>
+          <a:lstStyle/>
+          <a:p>
+            <a:pPr lvl="0">
+              <a:defRPr/>
+            </a:pPr>
+            <a:r>
+              <a:rPr lang="en-US" dirty="0" smtClean="0">
+                <a:ln w="0"/>
+                <a:solidFill>
+                  <a:prstClr val="black"/>
+                </a:solidFill>
+                <a:latin typeface="Arial" panose="020B0604020202020204" pitchFamily="34" charset="0"/>
+                <a:cs typeface="Arial" panose="020B0604020202020204" pitchFamily="34" charset="0"/>
+              </a:rPr>
+              <a:t>Initial Diagram - Johnpaul Ugwulo</a:t>
+            </a:r>
+            <a:endParaRPr lang="en-US" dirty="0">
+              <a:ln w="0"/>
+              <a:solidFill>
+                <a:prstClr val="black"/>
+              </a:solidFill>
+              <a:latin typeface="Arial" panose="020B0604020202020204" pitchFamily="34" charset="0"/>
+              <a:cs typeface="Arial" panose="020B0604020202020204" pitchFamily="34" charset="0"/>
+            </a:endParaRPr>
           </a:p>
         </p:txBody>
       </p:sp>
@@ -5430,6 +5524,144 @@
           <a:chExt cx="0" cy="0"/>
         </a:xfrm>
       </p:grpSpPr>
+      <p:sp>
+        <p:nvSpPr>
+          <p:cNvPr id="72" name="Rectangle 71"/>
+          <p:cNvSpPr/>
+          <p:nvPr/>
+        </p:nvSpPr>
+        <p:spPr>
+          <a:xfrm rot="19331385">
+            <a:off x="9624226" y="2740276"/>
+            <a:ext cx="1954381" cy="369332"/>
+          </a:xfrm>
+          <a:prstGeom prst="rect">
+            <a:avLst/>
+          </a:prstGeom>
+        </p:spPr>
+        <p:txBody>
+          <a:bodyPr wrap="none">
+            <a:spAutoFit/>
+          </a:bodyPr>
+          <a:lstStyle/>
+          <a:p>
+            <a:pPr lvl="0">
+              <a:defRPr/>
+            </a:pPr>
+            <a:r>
+              <a:rPr lang="en-US" dirty="0" smtClean="0">
+                <a:ln w="0"/>
+                <a:solidFill>
+                  <a:prstClr val="black"/>
+                </a:solidFill>
+                <a:latin typeface="Arial" panose="020B0604020202020204" pitchFamily="34" charset="0"/>
+                <a:cs typeface="Arial" panose="020B0604020202020204" pitchFamily="34" charset="0"/>
+              </a:rPr>
+              <a:t>Johnpaul Ugwulo</a:t>
+            </a:r>
+            <a:endParaRPr lang="en-US" dirty="0">
+              <a:ln w="0"/>
+              <a:solidFill>
+                <a:prstClr val="black"/>
+              </a:solidFill>
+              <a:latin typeface="Arial" panose="020B0604020202020204" pitchFamily="34" charset="0"/>
+              <a:cs typeface="Arial" panose="020B0604020202020204" pitchFamily="34" charset="0"/>
+            </a:endParaRPr>
+          </a:p>
+        </p:txBody>
+      </p:sp>
+      <p:sp>
+        <p:nvSpPr>
+          <p:cNvPr id="71" name="Rectangle 70"/>
+          <p:cNvSpPr/>
+          <p:nvPr/>
+        </p:nvSpPr>
+        <p:spPr>
+          <a:xfrm rot="19331385">
+            <a:off x="188789" y="3606741"/>
+            <a:ext cx="1954381" cy="369332"/>
+          </a:xfrm>
+          <a:prstGeom prst="rect">
+            <a:avLst/>
+          </a:prstGeom>
+        </p:spPr>
+        <p:txBody>
+          <a:bodyPr wrap="none">
+            <a:spAutoFit/>
+          </a:bodyPr>
+          <a:lstStyle/>
+          <a:p>
+            <a:pPr lvl="0">
+              <a:defRPr/>
+            </a:pPr>
+            <a:r>
+              <a:rPr lang="en-US" dirty="0" smtClean="0">
+                <a:ln w="0"/>
+                <a:solidFill>
+                  <a:prstClr val="black"/>
+                </a:solidFill>
+                <a:latin typeface="Arial" panose="020B0604020202020204" pitchFamily="34" charset="0"/>
+                <a:cs typeface="Arial" panose="020B0604020202020204" pitchFamily="34" charset="0"/>
+              </a:rPr>
+              <a:t>Johnpaul Ugwulo</a:t>
+            </a:r>
+            <a:endParaRPr lang="en-US" dirty="0">
+              <a:ln w="0"/>
+              <a:solidFill>
+                <a:prstClr val="black"/>
+              </a:solidFill>
+              <a:latin typeface="Arial" panose="020B0604020202020204" pitchFamily="34" charset="0"/>
+              <a:cs typeface="Arial" panose="020B0604020202020204" pitchFamily="34" charset="0"/>
+            </a:endParaRPr>
+          </a:p>
+        </p:txBody>
+      </p:sp>
+      <p:sp>
+        <p:nvSpPr>
+          <p:cNvPr id="2" name="Rectangle 1"/>
+          <p:cNvSpPr/>
+          <p:nvPr/>
+        </p:nvSpPr>
+        <p:spPr>
+          <a:xfrm>
+            <a:off x="6433317" y="131371"/>
+            <a:ext cx="3929281" cy="369332"/>
+          </a:xfrm>
+          <a:prstGeom prst="rect">
+            <a:avLst/>
+          </a:prstGeom>
+        </p:spPr>
+        <p:txBody>
+          <a:bodyPr wrap="none">
+            <a:spAutoFit/>
+          </a:bodyPr>
+          <a:lstStyle/>
+          <a:p>
+            <a:pPr lvl="0">
+              <a:defRPr/>
+            </a:pPr>
+            <a:r>
+              <a:rPr lang="en-US" dirty="0" smtClean="0">
+                <a:ln w="0"/>
+                <a:solidFill>
+                  <a:prstClr val="black"/>
+                </a:solidFill>
+                <a:latin typeface="Arial" panose="020B0604020202020204" pitchFamily="34" charset="0"/>
+                <a:cs typeface="Arial" panose="020B0604020202020204" pitchFamily="34" charset="0"/>
+              </a:rPr>
+              <a:t>Solution Diagram - Johnpaul Ugwulo</a:t>
+            </a:r>
+            <a:endParaRPr lang="en-US" dirty="0">
+              <a:ln w="0"/>
+              <a:solidFill>
+                <a:prstClr val="black"/>
+              </a:solidFill>
+              <a:latin typeface="Arial" panose="020B0604020202020204" pitchFamily="34" charset="0"/>
+              <a:cs typeface="Arial" panose="020B0604020202020204" pitchFamily="34" charset="0"/>
+            </a:endParaRPr>
+          </a:p>
+        </p:txBody>
+      </p:sp>
       <p:grpSp>
         <p:nvGrpSpPr>
           <p:cNvPr id="11" name="Group 10" descr="AWS Cloud group with AWS logo.">
@@ -5539,7 +5771,7 @@
             <a:blip r:embed="rId2">
               <a:extLst>
                 <a:ext uri="{96DAC541-7B7A-43D3-8B79-37D633B846F1}">
-                  <asvg:svgBlip xmlns:asvg="http://schemas.microsoft.com/office/drawing/2016/SVG/main" xmlns="" r:embed="rId3"/>
+                  <asvg:svgBlip xmlns="" xmlns:asvg="http://schemas.microsoft.com/office/drawing/2016/SVG/main" r:embed="rId3"/>
                 </a:ext>
               </a:extLst>
             </a:blip>
@@ -5665,7 +5897,7 @@
             <a:blip r:embed="rId4">
               <a:extLst>
                 <a:ext uri="{96DAC541-7B7A-43D3-8B79-37D633B846F1}">
-                  <asvg:svgBlip xmlns:asvg="http://schemas.microsoft.com/office/drawing/2016/SVG/main" xmlns="" r:embed="rId7"/>
+                  <asvg:svgBlip xmlns="" xmlns:asvg="http://schemas.microsoft.com/office/drawing/2016/SVG/main" r:embed="rId7"/>
                 </a:ext>
               </a:extLst>
             </a:blip>
@@ -5755,14 +5987,6 @@
               </a:rPr>
               <a:t>VPC 10.0.0.0/16</a:t>
             </a:r>
-            <a:endParaRPr lang="en-US" sz="1000" dirty="0">
-              <a:ln w="0"/>
-              <a:solidFill>
-                <a:srgbClr val="894BFF"/>
-              </a:solidFill>
-              <a:latin typeface="Arial" panose="020B0604020202020204" pitchFamily="34" charset="0"/>
-              <a:cs typeface="Arial" panose="020B0604020202020204" pitchFamily="34" charset="0"/>
-            </a:endParaRPr>
           </a:p>
         </p:txBody>
       </p:sp>
@@ -5784,7 +6008,7 @@
           <a:blip r:embed="rId8">
             <a:extLst>
               <a:ext uri="{96DAC541-7B7A-43D3-8B79-37D633B846F1}">
-                <asvg:svgBlip xmlns:asvg="http://schemas.microsoft.com/office/drawing/2016/SVG/main" xmlns="" r:embed="rId11"/>
+                <asvg:svgBlip xmlns="" xmlns:asvg="http://schemas.microsoft.com/office/drawing/2016/SVG/main" r:embed="rId11"/>
               </a:ext>
             </a:extLst>
           </a:blip>
@@ -6097,15 +6321,6 @@
                 </a:rPr>
                 <a:t>10.0.0.0/24</a:t>
               </a:r>
-              <a:endParaRPr lang="en-US" sz="1000" dirty="0">
-                <a:solidFill>
-                  <a:schemeClr val="accent6">
-                    <a:lumMod val="75000"/>
-                  </a:schemeClr>
-                </a:solidFill>
-                <a:latin typeface="Arial" panose="020B0604020202020204" pitchFamily="34" charset="0"/>
-                <a:cs typeface="Arial" panose="020B0604020202020204" pitchFamily="34" charset="0"/>
-              </a:endParaRPr>
             </a:p>
           </p:txBody>
         </p:sp>
@@ -6127,7 +6342,7 @@
             <a:blip r:embed="rId12">
               <a:extLst>
                 <a:ext uri="{96DAC541-7B7A-43D3-8B79-37D633B846F1}">
-                  <asvg:svgBlip xmlns:asvg="http://schemas.microsoft.com/office/drawing/2016/SVG/main" xmlns="" r:embed="rId15"/>
+                  <asvg:svgBlip xmlns="" xmlns:asvg="http://schemas.microsoft.com/office/drawing/2016/SVG/main" r:embed="rId15"/>
                 </a:ext>
               </a:extLst>
             </a:blip>
@@ -6301,7 +6516,7 @@
             <a:blip r:embed="rId12">
               <a:extLst>
                 <a:ext uri="{96DAC541-7B7A-43D3-8B79-37D633B846F1}">
-                  <asvg:svgBlip xmlns:asvg="http://schemas.microsoft.com/office/drawing/2016/SVG/main" xmlns="" r:embed="rId15"/>
+                  <asvg:svgBlip xmlns="" xmlns:asvg="http://schemas.microsoft.com/office/drawing/2016/SVG/main" r:embed="rId15"/>
                 </a:ext>
               </a:extLst>
             </a:blip>
@@ -6341,7 +6556,7 @@
           <a:blip r:embed="rId16">
             <a:extLst>
               <a:ext uri="{96DAC541-7B7A-43D3-8B79-37D633B846F1}">
-                <asvg:svgBlip xmlns:asvg="http://schemas.microsoft.com/office/drawing/2016/SVG/main" xmlns="" r:embed="rId17"/>
+                <asvg:svgBlip xmlns="" xmlns:asvg="http://schemas.microsoft.com/office/drawing/2016/SVG/main" r:embed="rId17"/>
               </a:ext>
             </a:extLst>
           </a:blip>
@@ -6391,11 +6606,6 @@
               </a:rPr>
               <a:t>Bastion host</a:t>
             </a:r>
-            <a:endParaRPr lang="en-US" sz="1000" dirty="0">
-              <a:ln w="0"/>
-              <a:latin typeface="Arial" panose="020B0604020202020204" pitchFamily="34" charset="0"/>
-              <a:cs typeface="Arial" panose="020B0604020202020204" pitchFamily="34" charset="0"/>
-            </a:endParaRPr>
           </a:p>
         </p:txBody>
       </p:sp>
@@ -6512,7 +6722,7 @@
           <a:blip r:embed="rId18">
             <a:extLst>
               <a:ext uri="{96DAC541-7B7A-43D3-8B79-37D633B846F1}">
-                <asvg:svgBlip xmlns:asvg="http://schemas.microsoft.com/office/drawing/2016/SVG/main" xmlns="" r:embed="rId13"/>
+                <asvg:svgBlip xmlns="" xmlns:asvg="http://schemas.microsoft.com/office/drawing/2016/SVG/main" r:embed="rId13"/>
               </a:ext>
             </a:extLst>
           </a:blip>
@@ -6642,7 +6852,7 @@
           <a:blip r:embed="rId18">
             <a:extLst>
               <a:ext uri="{96DAC541-7B7A-43D3-8B79-37D633B846F1}">
-                <asvg:svgBlip xmlns:asvg="http://schemas.microsoft.com/office/drawing/2016/SVG/main" xmlns="" r:embed="rId13"/>
+                <asvg:svgBlip xmlns="" xmlns:asvg="http://schemas.microsoft.com/office/drawing/2016/SVG/main" r:embed="rId13"/>
               </a:ext>
             </a:extLst>
           </a:blip>
@@ -6677,7 +6887,7 @@
           <a:blip r:embed="rId19">
             <a:extLst>
               <a:ext uri="{96DAC541-7B7A-43D3-8B79-37D633B846F1}">
-                <asvg:svgBlip xmlns:asvg="http://schemas.microsoft.com/office/drawing/2016/SVG/main" xmlns="" r:embed="rId20"/>
+                <asvg:svgBlip xmlns="" xmlns:asvg="http://schemas.microsoft.com/office/drawing/2016/SVG/main" r:embed="rId20"/>
               </a:ext>
             </a:extLst>
           </a:blip>
@@ -6687,7 +6897,7 @@
         </p:blipFill>
         <p:spPr>
           <a:xfrm>
-            <a:off x="5690535" y="1524131"/>
+            <a:off x="5677771" y="1587068"/>
             <a:ext cx="453889" cy="453889"/>
           </a:xfrm>
           <a:prstGeom prst="rect">
@@ -6711,7 +6921,7 @@
         </p:nvSpPr>
         <p:spPr bwMode="auto">
           <a:xfrm>
-            <a:off x="5208123" y="1893912"/>
+            <a:off x="5209144" y="1935544"/>
             <a:ext cx="1393186" cy="244438"/>
           </a:xfrm>
           <a:prstGeom prst="rect">
@@ -6990,7 +7200,7 @@
           <a:blip r:embed="rId21">
             <a:extLst>
               <a:ext uri="{96DAC541-7B7A-43D3-8B79-37D633B846F1}">
-                <asvg:svgBlip xmlns:asvg="http://schemas.microsoft.com/office/drawing/2016/SVG/main" xmlns="" r:embed="rId9"/>
+                <asvg:svgBlip xmlns="" xmlns:asvg="http://schemas.microsoft.com/office/drawing/2016/SVG/main" r:embed="rId9"/>
               </a:ext>
             </a:extLst>
           </a:blip>
@@ -7035,7 +7245,7 @@
                   <a16:creationId xmlns:a16="http://schemas.microsoft.com/office/drawing/2014/main" id="{734C55DB-726A-5605-F12F-28F9BACAE16A}"/>
                 </a:ext>
                 <a:ext uri="{C183D7F6-B498-43B3-948B-1728B52AA6E4}">
-                  <adec:decorative xmlns:adec="http://schemas.microsoft.com/office/drawing/2017/decorative" xmlns="" val="1"/>
+                  <adec:decorative xmlns="" xmlns:adec="http://schemas.microsoft.com/office/drawing/2017/decorative" val="1"/>
                 </a:ext>
               </a:extLst>
             </p:cNvPr>
@@ -7199,7 +7409,7 @@
                   <a16:creationId xmlns:a16="http://schemas.microsoft.com/office/drawing/2014/main" id="{6B967C3B-8506-A6DF-2612-97D2AF7802EA}"/>
                 </a:ext>
                 <a:ext uri="{C183D7F6-B498-43B3-948B-1728B52AA6E4}">
-                  <adec:decorative xmlns:adec="http://schemas.microsoft.com/office/drawing/2017/decorative" xmlns="" val="1"/>
+                  <adec:decorative xmlns="" xmlns:adec="http://schemas.microsoft.com/office/drawing/2017/decorative" val="1"/>
                 </a:ext>
               </a:extLst>
             </p:cNvPr>
@@ -7212,7 +7422,7 @@
             <a:blip r:embed="rId22">
               <a:extLst>
                 <a:ext uri="{96DAC541-7B7A-43D3-8B79-37D633B846F1}">
-                  <asvg:svgBlip xmlns:asvg="http://schemas.microsoft.com/office/drawing/2016/SVG/main" xmlns="" r:embed="rId23"/>
+                  <asvg:svgBlip xmlns="" xmlns:asvg="http://schemas.microsoft.com/office/drawing/2016/SVG/main" r:embed="rId23"/>
                 </a:ext>
               </a:extLst>
             </a:blip>
@@ -7271,7 +7481,7 @@
           <a:blip r:embed="rId24">
             <a:extLst>
               <a:ext uri="{96DAC541-7B7A-43D3-8B79-37D633B846F1}">
-                <asvg:svgBlip xmlns:asvg="http://schemas.microsoft.com/office/drawing/2016/SVG/main" xmlns="" r:embed="rId25"/>
+                <asvg:svgBlip xmlns="" xmlns:asvg="http://schemas.microsoft.com/office/drawing/2016/SVG/main" r:embed="rId25"/>
               </a:ext>
             </a:extLst>
           </a:blip>
@@ -7493,7 +7703,7 @@
                   <a16:creationId xmlns:a16="http://schemas.microsoft.com/office/drawing/2014/main" id="{734C55DB-726A-5605-F12F-28F9BACAE16A}"/>
                 </a:ext>
                 <a:ext uri="{C183D7F6-B498-43B3-948B-1728B52AA6E4}">
-                  <adec:decorative xmlns:adec="http://schemas.microsoft.com/office/drawing/2017/decorative" xmlns="" val="1"/>
+                  <adec:decorative xmlns="" xmlns:adec="http://schemas.microsoft.com/office/drawing/2017/decorative" val="1"/>
                 </a:ext>
               </a:extLst>
             </p:cNvPr>
@@ -7657,7 +7867,7 @@
                   <a16:creationId xmlns:a16="http://schemas.microsoft.com/office/drawing/2014/main" id="{6B967C3B-8506-A6DF-2612-97D2AF7802EA}"/>
                 </a:ext>
                 <a:ext uri="{C183D7F6-B498-43B3-948B-1728B52AA6E4}">
-                  <adec:decorative xmlns:adec="http://schemas.microsoft.com/office/drawing/2017/decorative" xmlns="" val="1"/>
+                  <adec:decorative xmlns="" xmlns:adec="http://schemas.microsoft.com/office/drawing/2017/decorative" val="1"/>
                 </a:ext>
               </a:extLst>
             </p:cNvPr>
@@ -7670,7 +7880,7 @@
             <a:blip r:embed="rId22">
               <a:extLst>
                 <a:ext uri="{96DAC541-7B7A-43D3-8B79-37D633B846F1}">
-                  <asvg:svgBlip xmlns:asvg="http://schemas.microsoft.com/office/drawing/2016/SVG/main" xmlns="" r:embed="rId23"/>
+                  <asvg:svgBlip xmlns="" xmlns:asvg="http://schemas.microsoft.com/office/drawing/2016/SVG/main" r:embed="rId23"/>
                 </a:ext>
               </a:extLst>
             </a:blip>
@@ -7729,7 +7939,7 @@
           <a:blip r:embed="rId26">
             <a:extLst>
               <a:ext uri="{96DAC541-7B7A-43D3-8B79-37D633B846F1}">
-                <asvg:svgBlip xmlns:asvg="http://schemas.microsoft.com/office/drawing/2016/SVG/main" xmlns="" r:embed="rId27"/>
+                <asvg:svgBlip xmlns="" xmlns:asvg="http://schemas.microsoft.com/office/drawing/2016/SVG/main" r:embed="rId27"/>
               </a:ext>
             </a:extLst>
           </a:blip>
@@ -7947,7 +8157,7 @@
           <a:blip r:embed="rId26">
             <a:extLst>
               <a:ext uri="{96DAC541-7B7A-43D3-8B79-37D633B846F1}">
-                <asvg:svgBlip xmlns:asvg="http://schemas.microsoft.com/office/drawing/2016/SVG/main" xmlns="" r:embed="rId27"/>
+                <asvg:svgBlip xmlns="" xmlns:asvg="http://schemas.microsoft.com/office/drawing/2016/SVG/main" r:embed="rId27"/>
               </a:ext>
             </a:extLst>
           </a:blip>
@@ -8285,7 +8495,7 @@
             <a:blip r:embed="rId28">
               <a:extLst>
                 <a:ext uri="{96DAC541-7B7A-43D3-8B79-37D633B846F1}">
-                  <asvg:svgBlip xmlns:asvg="http://schemas.microsoft.com/office/drawing/2016/SVG/main" xmlns="" r:embed="rId29"/>
+                  <asvg:svgBlip xmlns="" xmlns:asvg="http://schemas.microsoft.com/office/drawing/2016/SVG/main" r:embed="rId29"/>
                 </a:ext>
               </a:extLst>
             </a:blip>
@@ -8413,7 +8623,7 @@
             <a:blip r:embed="rId28">
               <a:extLst>
                 <a:ext uri="{96DAC541-7B7A-43D3-8B79-37D633B846F1}">
-                  <asvg:svgBlip xmlns:asvg="http://schemas.microsoft.com/office/drawing/2016/SVG/main" xmlns="" r:embed="rId29"/>
+                  <asvg:svgBlip xmlns="" xmlns:asvg="http://schemas.microsoft.com/office/drawing/2016/SVG/main" r:embed="rId29"/>
                 </a:ext>
               </a:extLst>
             </a:blip>
@@ -8835,8 +9045,8 @@
         </p:nvSpPr>
         <p:spPr>
           <a:xfrm rot="5400000" flipH="1">
-            <a:off x="5035300" y="611088"/>
-            <a:ext cx="1197330" cy="555838"/>
+            <a:off x="4993298" y="653089"/>
+            <a:ext cx="1281333" cy="555838"/>
           </a:xfrm>
           <a:custGeom>
             <a:avLst/>
@@ -9026,8 +9236,8 @@
         </p:nvCxnSpPr>
         <p:spPr>
           <a:xfrm rot="10800000" flipV="1">
-            <a:off x="2649607" y="1751075"/>
-            <a:ext cx="3040929" cy="687765"/>
+            <a:off x="2649607" y="1814013"/>
+            <a:ext cx="3028165" cy="624828"/>
           </a:xfrm>
           <a:prstGeom prst="bentConnector2">
             <a:avLst/>
@@ -9073,8 +9283,8 @@
         </p:nvCxnSpPr>
         <p:spPr>
           <a:xfrm>
-            <a:off x="6144424" y="1751076"/>
-            <a:ext cx="3002289" cy="693157"/>
+            <a:off x="6131660" y="1814013"/>
+            <a:ext cx="3015053" cy="630220"/>
           </a:xfrm>
           <a:prstGeom prst="bentConnector2">
             <a:avLst/>
@@ -9263,7 +9473,7 @@
           <a:blip r:embed="rId30">
             <a:extLst>
               <a:ext uri="{96DAC541-7B7A-43D3-8B79-37D633B846F1}">
-                <asvg:svgBlip xmlns:asvg="http://schemas.microsoft.com/office/drawing/2016/SVG/main" xmlns="" r:embed="rId31"/>
+                <asvg:svgBlip xmlns="" xmlns:asvg="http://schemas.microsoft.com/office/drawing/2016/SVG/main" r:embed="rId31"/>
               </a:ext>
             </a:extLst>
           </a:blip>
@@ -9438,6 +9648,41 @@
               </a:rPr>
               <a:t>Client</a:t>
             </a:r>
+          </a:p>
+        </p:txBody>
+      </p:sp>
+      <p:sp>
+        <p:nvSpPr>
+          <p:cNvPr id="3" name="Rectangle 2"/>
+          <p:cNvSpPr/>
+          <p:nvPr/>
+        </p:nvSpPr>
+        <p:spPr>
+          <a:xfrm>
+            <a:off x="6606979" y="130222"/>
+            <a:ext cx="184731" cy="369332"/>
+          </a:xfrm>
+          <a:prstGeom prst="rect">
+            <a:avLst/>
+          </a:prstGeom>
+        </p:spPr>
+        <p:txBody>
+          <a:bodyPr wrap="none">
+            <a:spAutoFit/>
+          </a:bodyPr>
+          <a:lstStyle/>
+          <a:p>
+            <a:pPr lvl="0">
+              <a:defRPr/>
+            </a:pPr>
+            <a:endParaRPr lang="en-US" dirty="0">
+              <a:ln w="0"/>
+              <a:solidFill>
+                <a:prstClr val="black"/>
+              </a:solidFill>
+              <a:latin typeface="Arial" panose="020B0604020202020204" pitchFamily="34" charset="0"/>
+              <a:cs typeface="Arial" panose="020B0604020202020204" pitchFamily="34" charset="0"/>
+            </a:endParaRPr>
           </a:p>
         </p:txBody>
       </p:sp>
